--- a/Презентация_ПП_Егоров.pptx
+++ b/Презентация_ПП_Егоров.pptx
@@ -302,7 +302,7 @@
           <a:p>
             <a:fld id="{FCB1FCA2-F855-4759-BD49-F691DF7B254C}" type="datetimeFigureOut">
               <a:rPr lang="ru-RU" smtClean="0"/>
-              <a:t>26.06.2022</a:t>
+              <a:t>27.06.2022</a:t>
             </a:fld>
             <a:endParaRPr lang="ru-RU" dirty="0"/>
           </a:p>
@@ -632,7 +632,7 @@
           <a:p>
             <a:fld id="{FCB1FCA2-F855-4759-BD49-F691DF7B254C}" type="datetimeFigureOut">
               <a:rPr lang="ru-RU" smtClean="0"/>
-              <a:t>26.06.2022</a:t>
+              <a:t>27.06.2022</a:t>
             </a:fld>
             <a:endParaRPr lang="ru-RU" dirty="0"/>
           </a:p>
@@ -812,7 +812,7 @@
           <a:p>
             <a:fld id="{FCB1FCA2-F855-4759-BD49-F691DF7B254C}" type="datetimeFigureOut">
               <a:rPr lang="ru-RU" smtClean="0"/>
-              <a:t>26.06.2022</a:t>
+              <a:t>27.06.2022</a:t>
             </a:fld>
             <a:endParaRPr lang="ru-RU" dirty="0"/>
           </a:p>
@@ -982,7 +982,7 @@
           <a:p>
             <a:fld id="{FCB1FCA2-F855-4759-BD49-F691DF7B254C}" type="datetimeFigureOut">
               <a:rPr lang="ru-RU" smtClean="0"/>
-              <a:t>26.06.2022</a:t>
+              <a:t>27.06.2022</a:t>
             </a:fld>
             <a:endParaRPr lang="ru-RU" dirty="0"/>
           </a:p>
@@ -1259,7 +1259,7 @@
           <a:p>
             <a:fld id="{FCB1FCA2-F855-4759-BD49-F691DF7B254C}" type="datetimeFigureOut">
               <a:rPr lang="ru-RU" smtClean="0"/>
-              <a:t>26.06.2022</a:t>
+              <a:t>27.06.2022</a:t>
             </a:fld>
             <a:endParaRPr lang="ru-RU" dirty="0"/>
           </a:p>
@@ -1653,7 +1653,7 @@
           <a:p>
             <a:fld id="{FCB1FCA2-F855-4759-BD49-F691DF7B254C}" type="datetimeFigureOut">
               <a:rPr lang="ru-RU" smtClean="0"/>
-              <a:t>26.06.2022</a:t>
+              <a:t>27.06.2022</a:t>
             </a:fld>
             <a:endParaRPr lang="ru-RU" dirty="0"/>
           </a:p>
@@ -2130,7 +2130,7 @@
           <a:p>
             <a:fld id="{FCB1FCA2-F855-4759-BD49-F691DF7B254C}" type="datetimeFigureOut">
               <a:rPr lang="ru-RU" smtClean="0"/>
-              <a:t>26.06.2022</a:t>
+              <a:t>27.06.2022</a:t>
             </a:fld>
             <a:endParaRPr lang="ru-RU" dirty="0"/>
           </a:p>
@@ -2248,7 +2248,7 @@
           <a:p>
             <a:fld id="{FCB1FCA2-F855-4759-BD49-F691DF7B254C}" type="datetimeFigureOut">
               <a:rPr lang="ru-RU" smtClean="0"/>
-              <a:t>26.06.2022</a:t>
+              <a:t>27.06.2022</a:t>
             </a:fld>
             <a:endParaRPr lang="ru-RU" dirty="0"/>
           </a:p>
@@ -2343,7 +2343,7 @@
           <a:p>
             <a:fld id="{FCB1FCA2-F855-4759-BD49-F691DF7B254C}" type="datetimeFigureOut">
               <a:rPr lang="ru-RU" smtClean="0"/>
-              <a:t>26.06.2022</a:t>
+              <a:t>27.06.2022</a:t>
             </a:fld>
             <a:endParaRPr lang="ru-RU" dirty="0"/>
           </a:p>
@@ -2689,7 +2689,7 @@
           <a:p>
             <a:fld id="{FCB1FCA2-F855-4759-BD49-F691DF7B254C}" type="datetimeFigureOut">
               <a:rPr lang="ru-RU" smtClean="0"/>
-              <a:t>26.06.2022</a:t>
+              <a:t>27.06.2022</a:t>
             </a:fld>
             <a:endParaRPr lang="ru-RU" dirty="0"/>
           </a:p>
@@ -3077,7 +3077,7 @@
           <a:p>
             <a:fld id="{FCB1FCA2-F855-4759-BD49-F691DF7B254C}" type="datetimeFigureOut">
               <a:rPr lang="ru-RU" smtClean="0"/>
-              <a:t>26.06.2022</a:t>
+              <a:t>27.06.2022</a:t>
             </a:fld>
             <a:endParaRPr lang="ru-RU" dirty="0"/>
           </a:p>
@@ -3355,7 +3355,7 @@
           <a:p>
             <a:fld id="{FCB1FCA2-F855-4759-BD49-F691DF7B254C}" type="datetimeFigureOut">
               <a:rPr lang="ru-RU" smtClean="0"/>
-              <a:t>26.06.2022</a:t>
+              <a:t>27.06.2022</a:t>
             </a:fld>
             <a:endParaRPr lang="ru-RU" dirty="0"/>
           </a:p>
@@ -4031,90 +4031,60 @@
           <a:chExt cx="0" cy="0"/>
         </a:xfrm>
       </p:grpSpPr>
+      <p:sp>
+        <p:nvSpPr>
+          <p:cNvPr id="3" name="TextBox 2"/>
+          <p:cNvSpPr txBox="1"/>
+          <p:nvPr/>
+        </p:nvSpPr>
+        <p:spPr>
+          <a:xfrm>
+            <a:off x="4929459" y="6202057"/>
+            <a:ext cx="3124573" cy="461665"/>
+          </a:xfrm>
+          <a:prstGeom prst="rect">
+            <a:avLst/>
+          </a:prstGeom>
+          <a:noFill/>
+        </p:spPr>
+        <p:txBody>
+          <a:bodyPr wrap="none" rtlCol="0">
+            <a:spAutoFit/>
+          </a:bodyPr>
+          <a:lstStyle/>
+          <a:p>
+            <a:r>
+              <a:rPr lang="ru-RU" sz="2400" b="1" dirty="0"/>
+              <a:t>Диаграмма классов</a:t>
+            </a:r>
+            <a:endParaRPr lang="ru-RU" sz="2400" dirty="0"/>
+          </a:p>
+        </p:txBody>
+      </p:sp>
       <p:pic>
         <p:nvPicPr>
-          <p:cNvPr id="8194" name="Рисунок 1"/>
+          <p:cNvPr id="2" name="Рисунок 1"/>
           <p:cNvPicPr>
-            <a:picLocks noChangeAspect="1" noChangeArrowheads="1"/>
+            <a:picLocks noChangeAspect="1"/>
           </p:cNvPicPr>
           <p:nvPr/>
         </p:nvPicPr>
         <p:blipFill>
-          <a:blip r:embed="rId2">
-            <a:extLst>
-              <a:ext uri="{28A0092B-C50C-407E-A947-70E740481C1C}">
-                <a14:useLocalDpi xmlns:a14="http://schemas.microsoft.com/office/drawing/2010/main" val="0"/>
-              </a:ext>
-            </a:extLst>
-          </a:blip>
-          <a:srcRect/>
+          <a:blip r:embed="rId2"/>
           <a:stretch>
             <a:fillRect/>
           </a:stretch>
         </p:blipFill>
-        <p:spPr bwMode="auto">
-          <a:xfrm>
-            <a:off x="2371300" y="531209"/>
-            <a:ext cx="8240892" cy="5559344"/>
+        <p:spPr>
+          <a:xfrm>
+            <a:off x="1378154" y="1262130"/>
+            <a:ext cx="10032527" cy="3998783"/>
           </a:xfrm>
           <a:prstGeom prst="rect">
             <a:avLst/>
           </a:prstGeom>
-          <a:noFill/>
-          <a:ln>
-            <a:noFill/>
-          </a:ln>
-          <a:extLst>
-            <a:ext uri="{909E8E84-426E-40DD-AFC4-6F175D3DCCD1}">
-              <a14:hiddenFill xmlns:a14="http://schemas.microsoft.com/office/drawing/2010/main">
-                <a:solidFill>
-                  <a:srgbClr val="FFFFFF"/>
-                </a:solidFill>
-              </a14:hiddenFill>
-            </a:ext>
-            <a:ext uri="{91240B29-F687-4F45-9708-019B960494DF}">
-              <a14:hiddenLine xmlns:a14="http://schemas.microsoft.com/office/drawing/2010/main" w="9525">
-                <a:solidFill>
-                  <a:srgbClr val="000000"/>
-                </a:solidFill>
-                <a:miter lim="800000"/>
-                <a:headEnd/>
-                <a:tailEnd/>
-              </a14:hiddenLine>
-            </a:ext>
-          </a:extLst>
         </p:spPr>
       </p:pic>
-      <p:sp>
-        <p:nvSpPr>
-          <p:cNvPr id="3" name="TextBox 2"/>
-          <p:cNvSpPr txBox="1"/>
-          <p:nvPr/>
-        </p:nvSpPr>
-        <p:spPr>
-          <a:xfrm>
-            <a:off x="4929459" y="6202057"/>
-            <a:ext cx="3124573" cy="461665"/>
-          </a:xfrm>
-          <a:prstGeom prst="rect">
-            <a:avLst/>
-          </a:prstGeom>
-          <a:noFill/>
-        </p:spPr>
-        <p:txBody>
-          <a:bodyPr wrap="none" rtlCol="0">
-            <a:spAutoFit/>
-          </a:bodyPr>
-          <a:lstStyle/>
-          <a:p>
-            <a:r>
-              <a:rPr lang="ru-RU" sz="2400" b="1" dirty="0"/>
-              <a:t>Диаграмма классов</a:t>
-            </a:r>
-            <a:endParaRPr lang="ru-RU" sz="2400" dirty="0"/>
-          </a:p>
-        </p:txBody>
-      </p:sp>
     </p:spTree>
     <p:extLst>
       <p:ext uri="{BB962C8B-B14F-4D97-AF65-F5344CB8AC3E}">

--- a/Презентация_ПП_Егоров.pptx
+++ b/Презентация_ПП_Егоров.pptx
@@ -6999,56 +6999,26 @@
       </p:sp>
       <p:pic>
         <p:nvPicPr>
-          <p:cNvPr id="2050" name="Рисунок 1"/>
+          <p:cNvPr id="3" name="Рисунок 2"/>
           <p:cNvPicPr>
-            <a:picLocks noChangeAspect="1" noChangeArrowheads="1"/>
+            <a:picLocks noChangeAspect="1"/>
           </p:cNvPicPr>
           <p:nvPr/>
         </p:nvPicPr>
         <p:blipFill>
-          <a:blip r:embed="rId2">
-            <a:extLst>
-              <a:ext uri="{28A0092B-C50C-407E-A947-70E740481C1C}">
-                <a14:useLocalDpi xmlns:a14="http://schemas.microsoft.com/office/drawing/2010/main" val="0"/>
-              </a:ext>
-            </a:extLst>
-          </a:blip>
-          <a:srcRect/>
+          <a:blip r:embed="rId2"/>
           <a:stretch>
             <a:fillRect/>
           </a:stretch>
         </p:blipFill>
-        <p:spPr bwMode="auto">
-          <a:xfrm>
-            <a:off x="2352526" y="926291"/>
-            <a:ext cx="8261765" cy="4842457"/>
+        <p:spPr>
+          <a:xfrm>
+            <a:off x="2221564" y="903572"/>
+            <a:ext cx="8338174" cy="4887895"/>
           </a:xfrm>
           <a:prstGeom prst="rect">
             <a:avLst/>
           </a:prstGeom>
-          <a:noFill/>
-          <a:ln>
-            <a:noFill/>
-          </a:ln>
-          <a:extLst>
-            <a:ext uri="{909E8E84-426E-40DD-AFC4-6F175D3DCCD1}">
-              <a14:hiddenFill xmlns:a14="http://schemas.microsoft.com/office/drawing/2010/main">
-                <a:solidFill>
-                  <a:srgbClr val="FFFFFF"/>
-                </a:solidFill>
-              </a14:hiddenFill>
-            </a:ext>
-            <a:ext uri="{91240B29-F687-4F45-9708-019B960494DF}">
-              <a14:hiddenLine xmlns:a14="http://schemas.microsoft.com/office/drawing/2010/main" w="9525">
-                <a:solidFill>
-                  <a:srgbClr val="000000"/>
-                </a:solidFill>
-                <a:miter lim="800000"/>
-                <a:headEnd/>
-                <a:tailEnd/>
-              </a14:hiddenLine>
-            </a:ext>
-          </a:extLst>
         </p:spPr>
       </p:pic>
     </p:spTree>
